--- a/UzungolPyTeam.pptx
+++ b/UzungolPyTeam.pptx
@@ -21,6 +21,14 @@
     <p:sldId id="269" r:id="rId15"/>
     <p:sldId id="270" r:id="rId16"/>
     <p:sldId id="271" r:id="rId17"/>
+    <p:sldId id="272" r:id="rId18"/>
+    <p:sldId id="273" r:id="rId19"/>
+    <p:sldId id="274" r:id="rId20"/>
+    <p:sldId id="275" r:id="rId21"/>
+    <p:sldId id="276" r:id="rId22"/>
+    <p:sldId id="277" r:id="rId23"/>
+    <p:sldId id="278" r:id="rId24"/>
+    <p:sldId id="279" r:id="rId25"/>
   </p:sldIdLst>
   <p:sldSz cx="9144000" cy="6858000" type="screen4x3"/>
   <p:notesSz cx="6858000" cy="9144000"/>
@@ -2879,7 +2887,7 @@
           <a:p>
             <a:fld id="{A23720DD-5B6D-40BF-8493-A6B52D484E6B}" type="datetimeFigureOut">
               <a:rPr lang="tr-TR" smtClean="0"/>
-              <a:t>20.12.2020</a:t>
+              <a:t>04.01.2021</a:t>
             </a:fld>
             <a:endParaRPr lang="tr-TR"/>
           </a:p>
@@ -3164,7 +3172,7 @@
           <a:p>
             <a:fld id="{A23720DD-5B6D-40BF-8493-A6B52D484E6B}" type="datetimeFigureOut">
               <a:rPr lang="tr-TR" smtClean="0"/>
-              <a:t>20.12.2020</a:t>
+              <a:t>04.01.2021</a:t>
             </a:fld>
             <a:endParaRPr lang="tr-TR"/>
           </a:p>
@@ -3339,7 +3347,7 @@
           <a:p>
             <a:fld id="{A23720DD-5B6D-40BF-8493-A6B52D484E6B}" type="datetimeFigureOut">
               <a:rPr lang="tr-TR" smtClean="0"/>
-              <a:t>20.12.2020</a:t>
+              <a:t>04.01.2021</a:t>
             </a:fld>
             <a:endParaRPr lang="tr-TR"/>
           </a:p>
@@ -3504,7 +3512,7 @@
           <a:p>
             <a:fld id="{A23720DD-5B6D-40BF-8493-A6B52D484E6B}" type="datetimeFigureOut">
               <a:rPr lang="tr-TR" smtClean="0"/>
-              <a:t>20.12.2020</a:t>
+              <a:t>04.01.2021</a:t>
             </a:fld>
             <a:endParaRPr lang="tr-TR"/>
           </a:p>
@@ -3745,7 +3753,7 @@
           <a:p>
             <a:fld id="{A23720DD-5B6D-40BF-8493-A6B52D484E6B}" type="datetimeFigureOut">
               <a:rPr lang="tr-TR" smtClean="0"/>
-              <a:t>20.12.2020</a:t>
+              <a:t>04.01.2021</a:t>
             </a:fld>
             <a:endParaRPr lang="tr-TR"/>
           </a:p>
@@ -3858,7 +3866,7 @@
           <a:p>
             <a:fld id="{A23720DD-5B6D-40BF-8493-A6B52D484E6B}" type="datetimeFigureOut">
               <a:rPr lang="tr-TR" smtClean="0"/>
-              <a:t>20.12.2020</a:t>
+              <a:t>04.01.2021</a:t>
             </a:fld>
             <a:endParaRPr lang="tr-TR"/>
           </a:p>
@@ -4397,7 +4405,7 @@
           <a:p>
             <a:fld id="{A23720DD-5B6D-40BF-8493-A6B52D484E6B}" type="datetimeFigureOut">
               <a:rPr lang="tr-TR" smtClean="0"/>
-              <a:t>20.12.2020</a:t>
+              <a:t>04.01.2021</a:t>
             </a:fld>
             <a:endParaRPr lang="tr-TR"/>
           </a:p>
@@ -4510,7 +4518,7 @@
           <a:p>
             <a:fld id="{A23720DD-5B6D-40BF-8493-A6B52D484E6B}" type="datetimeFigureOut">
               <a:rPr lang="tr-TR" smtClean="0"/>
-              <a:t>20.12.2020</a:t>
+              <a:t>04.01.2021</a:t>
             </a:fld>
             <a:endParaRPr lang="tr-TR"/>
           </a:p>
@@ -4600,7 +4608,7 @@
           <a:p>
             <a:fld id="{A23720DD-5B6D-40BF-8493-A6B52D484E6B}" type="datetimeFigureOut">
               <a:rPr lang="tr-TR" smtClean="0"/>
-              <a:t>20.12.2020</a:t>
+              <a:t>04.01.2021</a:t>
             </a:fld>
             <a:endParaRPr lang="tr-TR"/>
           </a:p>
@@ -7251,7 +7259,7 @@
           <a:p>
             <a:fld id="{A23720DD-5B6D-40BF-8493-A6B52D484E6B}" type="datetimeFigureOut">
               <a:rPr lang="tr-TR" smtClean="0"/>
-              <a:t>20.12.2020</a:t>
+              <a:t>04.01.2021</a:t>
             </a:fld>
             <a:endParaRPr lang="tr-TR"/>
           </a:p>
@@ -10463,7 +10471,7 @@
           <a:p>
             <a:fld id="{A23720DD-5B6D-40BF-8493-A6B52D484E6B}" type="datetimeFigureOut">
               <a:rPr lang="tr-TR" smtClean="0"/>
-              <a:t>20.12.2020</a:t>
+              <a:t>04.01.2021</a:t>
             </a:fld>
             <a:endParaRPr lang="tr-TR"/>
           </a:p>
@@ -13285,7 +13293,7 @@
           <a:p>
             <a:fld id="{A23720DD-5B6D-40BF-8493-A6B52D484E6B}" type="datetimeFigureOut">
               <a:rPr lang="tr-TR" smtClean="0"/>
-              <a:t>20.12.2020</a:t>
+              <a:t>04.01.2021</a:t>
             </a:fld>
             <a:endParaRPr lang="tr-TR"/>
           </a:p>
@@ -14440,6 +14448,288 @@
 </p:sld>
 </file>
 
+<file path=ppt/slides/slide17.xml><?xml version="1.0" encoding="utf-8"?>
+<p:sld xmlns:a="http://schemas.openxmlformats.org/drawingml/2006/main" xmlns:r="http://schemas.openxmlformats.org/officeDocument/2006/relationships" xmlns:p="http://schemas.openxmlformats.org/presentationml/2006/main">
+  <p:cSld>
+    <p:spTree>
+      <p:nvGrpSpPr>
+        <p:cNvPr id="1" name=""/>
+        <p:cNvGrpSpPr/>
+        <p:nvPr/>
+      </p:nvGrpSpPr>
+      <p:grpSpPr>
+        <a:xfrm>
+          <a:off x="0" y="0"/>
+          <a:ext cx="0" cy="0"/>
+          <a:chOff x="0" y="0"/>
+          <a:chExt cx="0" cy="0"/>
+        </a:xfrm>
+      </p:grpSpPr>
+      <p:pic>
+        <p:nvPicPr>
+          <p:cNvPr id="1026" name="Picture 2"/>
+          <p:cNvPicPr>
+            <a:picLocks noChangeAspect="1" noChangeArrowheads="1"/>
+          </p:cNvPicPr>
+          <p:nvPr/>
+        </p:nvPicPr>
+        <p:blipFill>
+          <a:blip r:embed="rId2">
+            <a:extLst>
+              <a:ext uri="{28A0092B-C50C-407E-A947-70E740481C1C}">
+                <a14:useLocalDpi xmlns:a14="http://schemas.microsoft.com/office/drawing/2010/main" val="0"/>
+              </a:ext>
+            </a:extLst>
+          </a:blip>
+          <a:srcRect/>
+          <a:stretch>
+            <a:fillRect/>
+          </a:stretch>
+        </p:blipFill>
+        <p:spPr bwMode="auto">
+          <a:xfrm>
+            <a:off x="0" y="0"/>
+            <a:ext cx="13011150" cy="7315200"/>
+          </a:xfrm>
+          <a:prstGeom prst="rect">
+            <a:avLst/>
+          </a:prstGeom>
+          <a:noFill/>
+          <a:ln>
+            <a:noFill/>
+          </a:ln>
+          <a:effectLst/>
+          <a:extLst>
+            <a:ext uri="{909E8E84-426E-40DD-AFC4-6F175D3DCCD1}">
+              <a14:hiddenFill xmlns:a14="http://schemas.microsoft.com/office/drawing/2010/main">
+                <a:solidFill>
+                  <a:schemeClr val="accent1"/>
+                </a:solidFill>
+              </a14:hiddenFill>
+            </a:ext>
+            <a:ext uri="{91240B29-F687-4F45-9708-019B960494DF}">
+              <a14:hiddenLine xmlns:a14="http://schemas.microsoft.com/office/drawing/2010/main" w="9525">
+                <a:solidFill>
+                  <a:schemeClr val="tx1"/>
+                </a:solidFill>
+                <a:miter lim="800000"/>
+                <a:headEnd/>
+                <a:tailEnd/>
+              </a14:hiddenLine>
+            </a:ext>
+            <a:ext uri="{AF507438-7753-43E0-B8FC-AC1667EBCBE1}">
+              <a14:hiddenEffects xmlns:a14="http://schemas.microsoft.com/office/drawing/2010/main">
+                <a:effectLst>
+                  <a:outerShdw dist="35921" dir="2700000" algn="ctr" rotWithShape="0">
+                    <a:schemeClr val="bg2"/>
+                  </a:outerShdw>
+                </a:effectLst>
+              </a14:hiddenEffects>
+            </a:ext>
+          </a:extLst>
+        </p:spPr>
+      </p:pic>
+    </p:spTree>
+    <p:extLst>
+      <p:ext uri="{BB962C8B-B14F-4D97-AF65-F5344CB8AC3E}">
+        <p14:creationId xmlns:p14="http://schemas.microsoft.com/office/powerpoint/2010/main" val="1089395474"/>
+      </p:ext>
+    </p:extLst>
+  </p:cSld>
+  <p:clrMapOvr>
+    <a:masterClrMapping/>
+  </p:clrMapOvr>
+</p:sld>
+</file>
+
+<file path=ppt/slides/slide18.xml><?xml version="1.0" encoding="utf-8"?>
+<p:sld xmlns:a="http://schemas.openxmlformats.org/drawingml/2006/main" xmlns:r="http://schemas.openxmlformats.org/officeDocument/2006/relationships" xmlns:p="http://schemas.openxmlformats.org/presentationml/2006/main">
+  <p:cSld>
+    <p:spTree>
+      <p:nvGrpSpPr>
+        <p:cNvPr id="1" name=""/>
+        <p:cNvGrpSpPr/>
+        <p:nvPr/>
+      </p:nvGrpSpPr>
+      <p:grpSpPr>
+        <a:xfrm>
+          <a:off x="0" y="0"/>
+          <a:ext cx="0" cy="0"/>
+          <a:chOff x="0" y="0"/>
+          <a:chExt cx="0" cy="0"/>
+        </a:xfrm>
+      </p:grpSpPr>
+      <p:pic>
+        <p:nvPicPr>
+          <p:cNvPr id="2050" name="Picture 2"/>
+          <p:cNvPicPr>
+            <a:picLocks noChangeAspect="1" noChangeArrowheads="1"/>
+          </p:cNvPicPr>
+          <p:nvPr/>
+        </p:nvPicPr>
+        <p:blipFill>
+          <a:blip r:embed="rId2">
+            <a:extLst>
+              <a:ext uri="{28A0092B-C50C-407E-A947-70E740481C1C}">
+                <a14:useLocalDpi xmlns:a14="http://schemas.microsoft.com/office/drawing/2010/main" val="0"/>
+              </a:ext>
+            </a:extLst>
+          </a:blip>
+          <a:srcRect/>
+          <a:stretch>
+            <a:fillRect/>
+          </a:stretch>
+        </p:blipFill>
+        <p:spPr bwMode="auto">
+          <a:xfrm>
+            <a:off x="0" y="0"/>
+            <a:ext cx="13011150" cy="7315200"/>
+          </a:xfrm>
+          <a:prstGeom prst="rect">
+            <a:avLst/>
+          </a:prstGeom>
+          <a:noFill/>
+          <a:ln>
+            <a:noFill/>
+          </a:ln>
+          <a:effectLst/>
+          <a:extLst>
+            <a:ext uri="{909E8E84-426E-40DD-AFC4-6F175D3DCCD1}">
+              <a14:hiddenFill xmlns:a14="http://schemas.microsoft.com/office/drawing/2010/main">
+                <a:solidFill>
+                  <a:schemeClr val="accent1"/>
+                </a:solidFill>
+              </a14:hiddenFill>
+            </a:ext>
+            <a:ext uri="{91240B29-F687-4F45-9708-019B960494DF}">
+              <a14:hiddenLine xmlns:a14="http://schemas.microsoft.com/office/drawing/2010/main" w="9525">
+                <a:solidFill>
+                  <a:schemeClr val="tx1"/>
+                </a:solidFill>
+                <a:miter lim="800000"/>
+                <a:headEnd/>
+                <a:tailEnd/>
+              </a14:hiddenLine>
+            </a:ext>
+            <a:ext uri="{AF507438-7753-43E0-B8FC-AC1667EBCBE1}">
+              <a14:hiddenEffects xmlns:a14="http://schemas.microsoft.com/office/drawing/2010/main">
+                <a:effectLst>
+                  <a:outerShdw dist="35921" dir="2700000" algn="ctr" rotWithShape="0">
+                    <a:schemeClr val="bg2"/>
+                  </a:outerShdw>
+                </a:effectLst>
+              </a14:hiddenEffects>
+            </a:ext>
+          </a:extLst>
+        </p:spPr>
+      </p:pic>
+    </p:spTree>
+    <p:extLst>
+      <p:ext uri="{BB962C8B-B14F-4D97-AF65-F5344CB8AC3E}">
+        <p14:creationId xmlns:p14="http://schemas.microsoft.com/office/powerpoint/2010/main" val="1133799524"/>
+      </p:ext>
+    </p:extLst>
+  </p:cSld>
+  <p:clrMapOvr>
+    <a:masterClrMapping/>
+  </p:clrMapOvr>
+</p:sld>
+</file>
+
+<file path=ppt/slides/slide19.xml><?xml version="1.0" encoding="utf-8"?>
+<p:sld xmlns:a="http://schemas.openxmlformats.org/drawingml/2006/main" xmlns:r="http://schemas.openxmlformats.org/officeDocument/2006/relationships" xmlns:p="http://schemas.openxmlformats.org/presentationml/2006/main">
+  <p:cSld>
+    <p:spTree>
+      <p:nvGrpSpPr>
+        <p:cNvPr id="1" name=""/>
+        <p:cNvGrpSpPr/>
+        <p:nvPr/>
+      </p:nvGrpSpPr>
+      <p:grpSpPr>
+        <a:xfrm>
+          <a:off x="0" y="0"/>
+          <a:ext cx="0" cy="0"/>
+          <a:chOff x="0" y="0"/>
+          <a:chExt cx="0" cy="0"/>
+        </a:xfrm>
+      </p:grpSpPr>
+      <p:pic>
+        <p:nvPicPr>
+          <p:cNvPr id="3074" name="Picture 2"/>
+          <p:cNvPicPr>
+            <a:picLocks noChangeAspect="1" noChangeArrowheads="1"/>
+          </p:cNvPicPr>
+          <p:nvPr/>
+        </p:nvPicPr>
+        <p:blipFill>
+          <a:blip r:embed="rId2">
+            <a:extLst>
+              <a:ext uri="{28A0092B-C50C-407E-A947-70E740481C1C}">
+                <a14:useLocalDpi xmlns:a14="http://schemas.microsoft.com/office/drawing/2010/main" val="0"/>
+              </a:ext>
+            </a:extLst>
+          </a:blip>
+          <a:srcRect/>
+          <a:stretch>
+            <a:fillRect/>
+          </a:stretch>
+        </p:blipFill>
+        <p:spPr bwMode="auto">
+          <a:xfrm>
+            <a:off x="0" y="0"/>
+            <a:ext cx="13011150" cy="7315200"/>
+          </a:xfrm>
+          <a:prstGeom prst="rect">
+            <a:avLst/>
+          </a:prstGeom>
+          <a:noFill/>
+          <a:ln>
+            <a:noFill/>
+          </a:ln>
+          <a:effectLst/>
+          <a:extLst>
+            <a:ext uri="{909E8E84-426E-40DD-AFC4-6F175D3DCCD1}">
+              <a14:hiddenFill xmlns:a14="http://schemas.microsoft.com/office/drawing/2010/main">
+                <a:solidFill>
+                  <a:schemeClr val="accent1"/>
+                </a:solidFill>
+              </a14:hiddenFill>
+            </a:ext>
+            <a:ext uri="{91240B29-F687-4F45-9708-019B960494DF}">
+              <a14:hiddenLine xmlns:a14="http://schemas.microsoft.com/office/drawing/2010/main" w="9525">
+                <a:solidFill>
+                  <a:schemeClr val="tx1"/>
+                </a:solidFill>
+                <a:miter lim="800000"/>
+                <a:headEnd/>
+                <a:tailEnd/>
+              </a14:hiddenLine>
+            </a:ext>
+            <a:ext uri="{AF507438-7753-43E0-B8FC-AC1667EBCBE1}">
+              <a14:hiddenEffects xmlns:a14="http://schemas.microsoft.com/office/drawing/2010/main">
+                <a:effectLst>
+                  <a:outerShdw dist="35921" dir="2700000" algn="ctr" rotWithShape="0">
+                    <a:schemeClr val="bg2"/>
+                  </a:outerShdw>
+                </a:effectLst>
+              </a14:hiddenEffects>
+            </a:ext>
+          </a:extLst>
+        </p:spPr>
+      </p:pic>
+    </p:spTree>
+    <p:extLst>
+      <p:ext uri="{BB962C8B-B14F-4D97-AF65-F5344CB8AC3E}">
+        <p14:creationId xmlns:p14="http://schemas.microsoft.com/office/powerpoint/2010/main" val="73497798"/>
+      </p:ext>
+    </p:extLst>
+  </p:cSld>
+  <p:clrMapOvr>
+    <a:masterClrMapping/>
+  </p:clrMapOvr>
+</p:sld>
+</file>
+
 <file path=ppt/slides/slide2.xml><?xml version="1.0" encoding="utf-8"?>
 <p:sld xmlns:a="http://schemas.openxmlformats.org/drawingml/2006/main" xmlns:r="http://schemas.openxmlformats.org/officeDocument/2006/relationships" xmlns:p="http://schemas.openxmlformats.org/presentationml/2006/main">
   <p:cSld>
@@ -14500,7 +14790,6 @@
               <a:rPr lang="tr-TR" dirty="0"/>
               <a:t>Proje pandemi döneminde öğrencilerin müfredat, ders, konu takiplerini yapmayı amaçlamaktadır. Ayrıca öğrenciler yaptıkları çalışmaları kaydedebilmekte ve gelişimlerini raporlayabilmektedirler</a:t>
             </a:r>
-            <a:endParaRPr lang="tr-TR" dirty="0"/>
           </a:p>
         </p:txBody>
       </p:sp>
@@ -14508,6 +14797,514 @@
     <p:extLst>
       <p:ext uri="{BB962C8B-B14F-4D97-AF65-F5344CB8AC3E}">
         <p14:creationId xmlns:p14="http://schemas.microsoft.com/office/powerpoint/2010/main" val="510029685"/>
+      </p:ext>
+    </p:extLst>
+  </p:cSld>
+  <p:clrMapOvr>
+    <a:masterClrMapping/>
+  </p:clrMapOvr>
+</p:sld>
+</file>
+
+<file path=ppt/slides/slide20.xml><?xml version="1.0" encoding="utf-8"?>
+<p:sld xmlns:a="http://schemas.openxmlformats.org/drawingml/2006/main" xmlns:r="http://schemas.openxmlformats.org/officeDocument/2006/relationships" xmlns:p="http://schemas.openxmlformats.org/presentationml/2006/main">
+  <p:cSld>
+    <p:spTree>
+      <p:nvGrpSpPr>
+        <p:cNvPr id="1" name=""/>
+        <p:cNvGrpSpPr/>
+        <p:nvPr/>
+      </p:nvGrpSpPr>
+      <p:grpSpPr>
+        <a:xfrm>
+          <a:off x="0" y="0"/>
+          <a:ext cx="0" cy="0"/>
+          <a:chOff x="0" y="0"/>
+          <a:chExt cx="0" cy="0"/>
+        </a:xfrm>
+      </p:grpSpPr>
+      <p:pic>
+        <p:nvPicPr>
+          <p:cNvPr id="6146" name="Picture 2"/>
+          <p:cNvPicPr>
+            <a:picLocks noChangeAspect="1" noChangeArrowheads="1"/>
+          </p:cNvPicPr>
+          <p:nvPr/>
+        </p:nvPicPr>
+        <p:blipFill>
+          <a:blip r:embed="rId2">
+            <a:extLst>
+              <a:ext uri="{28A0092B-C50C-407E-A947-70E740481C1C}">
+                <a14:useLocalDpi xmlns:a14="http://schemas.microsoft.com/office/drawing/2010/main" val="0"/>
+              </a:ext>
+            </a:extLst>
+          </a:blip>
+          <a:srcRect/>
+          <a:stretch>
+            <a:fillRect/>
+          </a:stretch>
+        </p:blipFill>
+        <p:spPr bwMode="auto">
+          <a:xfrm>
+            <a:off x="0" y="0"/>
+            <a:ext cx="13011150" cy="7315200"/>
+          </a:xfrm>
+          <a:prstGeom prst="rect">
+            <a:avLst/>
+          </a:prstGeom>
+          <a:noFill/>
+          <a:ln>
+            <a:noFill/>
+          </a:ln>
+          <a:effectLst/>
+          <a:extLst>
+            <a:ext uri="{909E8E84-426E-40DD-AFC4-6F175D3DCCD1}">
+              <a14:hiddenFill xmlns:a14="http://schemas.microsoft.com/office/drawing/2010/main">
+                <a:solidFill>
+                  <a:schemeClr val="accent1"/>
+                </a:solidFill>
+              </a14:hiddenFill>
+            </a:ext>
+            <a:ext uri="{91240B29-F687-4F45-9708-019B960494DF}">
+              <a14:hiddenLine xmlns:a14="http://schemas.microsoft.com/office/drawing/2010/main" w="9525">
+                <a:solidFill>
+                  <a:schemeClr val="tx1"/>
+                </a:solidFill>
+                <a:miter lim="800000"/>
+                <a:headEnd/>
+                <a:tailEnd/>
+              </a14:hiddenLine>
+            </a:ext>
+            <a:ext uri="{AF507438-7753-43E0-B8FC-AC1667EBCBE1}">
+              <a14:hiddenEffects xmlns:a14="http://schemas.microsoft.com/office/drawing/2010/main">
+                <a:effectLst>
+                  <a:outerShdw dist="35921" dir="2700000" algn="ctr" rotWithShape="0">
+                    <a:schemeClr val="bg2"/>
+                  </a:outerShdw>
+                </a:effectLst>
+              </a14:hiddenEffects>
+            </a:ext>
+          </a:extLst>
+        </p:spPr>
+      </p:pic>
+    </p:spTree>
+    <p:extLst>
+      <p:ext uri="{BB962C8B-B14F-4D97-AF65-F5344CB8AC3E}">
+        <p14:creationId xmlns:p14="http://schemas.microsoft.com/office/powerpoint/2010/main" val="209774616"/>
+      </p:ext>
+    </p:extLst>
+  </p:cSld>
+  <p:clrMapOvr>
+    <a:masterClrMapping/>
+  </p:clrMapOvr>
+</p:sld>
+</file>
+
+<file path=ppt/slides/slide21.xml><?xml version="1.0" encoding="utf-8"?>
+<p:sld xmlns:a="http://schemas.openxmlformats.org/drawingml/2006/main" xmlns:r="http://schemas.openxmlformats.org/officeDocument/2006/relationships" xmlns:p="http://schemas.openxmlformats.org/presentationml/2006/main">
+  <p:cSld>
+    <p:spTree>
+      <p:nvGrpSpPr>
+        <p:cNvPr id="1" name=""/>
+        <p:cNvGrpSpPr/>
+        <p:nvPr/>
+      </p:nvGrpSpPr>
+      <p:grpSpPr>
+        <a:xfrm>
+          <a:off x="0" y="0"/>
+          <a:ext cx="0" cy="0"/>
+          <a:chOff x="0" y="0"/>
+          <a:chExt cx="0" cy="0"/>
+        </a:xfrm>
+      </p:grpSpPr>
+      <p:sp>
+        <p:nvSpPr>
+          <p:cNvPr id="2" name="Başlık 1"/>
+          <p:cNvSpPr>
+            <a:spLocks noGrp="1"/>
+          </p:cNvSpPr>
+          <p:nvPr>
+            <p:ph type="title"/>
+          </p:nvPr>
+        </p:nvSpPr>
+        <p:spPr/>
+        <p:txBody>
+          <a:bodyPr/>
+          <a:lstStyle/>
+          <a:p>
+            <a:endParaRPr lang="tr-TR"/>
+          </a:p>
+        </p:txBody>
+      </p:sp>
+      <p:sp>
+        <p:nvSpPr>
+          <p:cNvPr id="3" name="İçerik Yer Tutucusu 2"/>
+          <p:cNvSpPr>
+            <a:spLocks noGrp="1"/>
+          </p:cNvSpPr>
+          <p:nvPr>
+            <p:ph idx="1"/>
+          </p:nvPr>
+        </p:nvSpPr>
+        <p:spPr/>
+        <p:txBody>
+          <a:bodyPr/>
+          <a:lstStyle/>
+          <a:p>
+            <a:endParaRPr lang="tr-TR"/>
+          </a:p>
+        </p:txBody>
+      </p:sp>
+      <p:pic>
+        <p:nvPicPr>
+          <p:cNvPr id="5122" name="Picture 2"/>
+          <p:cNvPicPr>
+            <a:picLocks noChangeAspect="1" noChangeArrowheads="1"/>
+          </p:cNvPicPr>
+          <p:nvPr/>
+        </p:nvPicPr>
+        <p:blipFill>
+          <a:blip r:embed="rId2">
+            <a:extLst>
+              <a:ext uri="{28A0092B-C50C-407E-A947-70E740481C1C}">
+                <a14:useLocalDpi xmlns:a14="http://schemas.microsoft.com/office/drawing/2010/main" val="0"/>
+              </a:ext>
+            </a:extLst>
+          </a:blip>
+          <a:srcRect/>
+          <a:stretch>
+            <a:fillRect/>
+          </a:stretch>
+        </p:blipFill>
+        <p:spPr bwMode="auto">
+          <a:xfrm>
+            <a:off x="0" y="0"/>
+            <a:ext cx="13011150" cy="7315200"/>
+          </a:xfrm>
+          <a:prstGeom prst="rect">
+            <a:avLst/>
+          </a:prstGeom>
+          <a:noFill/>
+          <a:ln>
+            <a:noFill/>
+          </a:ln>
+          <a:effectLst/>
+          <a:extLst>
+            <a:ext uri="{909E8E84-426E-40DD-AFC4-6F175D3DCCD1}">
+              <a14:hiddenFill xmlns:a14="http://schemas.microsoft.com/office/drawing/2010/main">
+                <a:solidFill>
+                  <a:schemeClr val="accent1"/>
+                </a:solidFill>
+              </a14:hiddenFill>
+            </a:ext>
+            <a:ext uri="{91240B29-F687-4F45-9708-019B960494DF}">
+              <a14:hiddenLine xmlns:a14="http://schemas.microsoft.com/office/drawing/2010/main" w="9525">
+                <a:solidFill>
+                  <a:schemeClr val="tx1"/>
+                </a:solidFill>
+                <a:miter lim="800000"/>
+                <a:headEnd/>
+                <a:tailEnd/>
+              </a14:hiddenLine>
+            </a:ext>
+            <a:ext uri="{AF507438-7753-43E0-B8FC-AC1667EBCBE1}">
+              <a14:hiddenEffects xmlns:a14="http://schemas.microsoft.com/office/drawing/2010/main">
+                <a:effectLst>
+                  <a:outerShdw dist="35921" dir="2700000" algn="ctr" rotWithShape="0">
+                    <a:schemeClr val="bg2"/>
+                  </a:outerShdw>
+                </a:effectLst>
+              </a14:hiddenEffects>
+            </a:ext>
+          </a:extLst>
+        </p:spPr>
+      </p:pic>
+    </p:spTree>
+    <p:extLst>
+      <p:ext uri="{BB962C8B-B14F-4D97-AF65-F5344CB8AC3E}">
+        <p14:creationId xmlns:p14="http://schemas.microsoft.com/office/powerpoint/2010/main" val="3492055268"/>
+      </p:ext>
+    </p:extLst>
+  </p:cSld>
+  <p:clrMapOvr>
+    <a:masterClrMapping/>
+  </p:clrMapOvr>
+</p:sld>
+</file>
+
+<file path=ppt/slides/slide22.xml><?xml version="1.0" encoding="utf-8"?>
+<p:sld xmlns:a="http://schemas.openxmlformats.org/drawingml/2006/main" xmlns:r="http://schemas.openxmlformats.org/officeDocument/2006/relationships" xmlns:p="http://schemas.openxmlformats.org/presentationml/2006/main">
+  <p:cSld>
+    <p:spTree>
+      <p:nvGrpSpPr>
+        <p:cNvPr id="1" name=""/>
+        <p:cNvGrpSpPr/>
+        <p:nvPr/>
+      </p:nvGrpSpPr>
+      <p:grpSpPr>
+        <a:xfrm>
+          <a:off x="0" y="0"/>
+          <a:ext cx="0" cy="0"/>
+          <a:chOff x="0" y="0"/>
+          <a:chExt cx="0" cy="0"/>
+        </a:xfrm>
+      </p:grpSpPr>
+      <p:pic>
+        <p:nvPicPr>
+          <p:cNvPr id="4098" name="Picture 2"/>
+          <p:cNvPicPr>
+            <a:picLocks noChangeAspect="1" noChangeArrowheads="1"/>
+          </p:cNvPicPr>
+          <p:nvPr/>
+        </p:nvPicPr>
+        <p:blipFill>
+          <a:blip r:embed="rId2">
+            <a:extLst>
+              <a:ext uri="{28A0092B-C50C-407E-A947-70E740481C1C}">
+                <a14:useLocalDpi xmlns:a14="http://schemas.microsoft.com/office/drawing/2010/main" val="0"/>
+              </a:ext>
+            </a:extLst>
+          </a:blip>
+          <a:srcRect/>
+          <a:stretch>
+            <a:fillRect/>
+          </a:stretch>
+        </p:blipFill>
+        <p:spPr bwMode="auto">
+          <a:xfrm>
+            <a:off x="0" y="0"/>
+            <a:ext cx="13011150" cy="7315200"/>
+          </a:xfrm>
+          <a:prstGeom prst="rect">
+            <a:avLst/>
+          </a:prstGeom>
+          <a:noFill/>
+          <a:ln>
+            <a:noFill/>
+          </a:ln>
+          <a:effectLst/>
+          <a:extLst>
+            <a:ext uri="{909E8E84-426E-40DD-AFC4-6F175D3DCCD1}">
+              <a14:hiddenFill xmlns:a14="http://schemas.microsoft.com/office/drawing/2010/main">
+                <a:solidFill>
+                  <a:schemeClr val="accent1"/>
+                </a:solidFill>
+              </a14:hiddenFill>
+            </a:ext>
+            <a:ext uri="{91240B29-F687-4F45-9708-019B960494DF}">
+              <a14:hiddenLine xmlns:a14="http://schemas.microsoft.com/office/drawing/2010/main" w="9525">
+                <a:solidFill>
+                  <a:schemeClr val="tx1"/>
+                </a:solidFill>
+                <a:miter lim="800000"/>
+                <a:headEnd/>
+                <a:tailEnd/>
+              </a14:hiddenLine>
+            </a:ext>
+            <a:ext uri="{AF507438-7753-43E0-B8FC-AC1667EBCBE1}">
+              <a14:hiddenEffects xmlns:a14="http://schemas.microsoft.com/office/drawing/2010/main">
+                <a:effectLst>
+                  <a:outerShdw dist="35921" dir="2700000" algn="ctr" rotWithShape="0">
+                    <a:schemeClr val="bg2"/>
+                  </a:outerShdw>
+                </a:effectLst>
+              </a14:hiddenEffects>
+            </a:ext>
+          </a:extLst>
+        </p:spPr>
+      </p:pic>
+    </p:spTree>
+    <p:extLst>
+      <p:ext uri="{BB962C8B-B14F-4D97-AF65-F5344CB8AC3E}">
+        <p14:creationId xmlns:p14="http://schemas.microsoft.com/office/powerpoint/2010/main" val="2730406146"/>
+      </p:ext>
+    </p:extLst>
+  </p:cSld>
+  <p:clrMapOvr>
+    <a:masterClrMapping/>
+  </p:clrMapOvr>
+</p:sld>
+</file>
+
+<file path=ppt/slides/slide23.xml><?xml version="1.0" encoding="utf-8"?>
+<p:sld xmlns:a="http://schemas.openxmlformats.org/drawingml/2006/main" xmlns:r="http://schemas.openxmlformats.org/officeDocument/2006/relationships" xmlns:p="http://schemas.openxmlformats.org/presentationml/2006/main">
+  <p:cSld>
+    <p:spTree>
+      <p:nvGrpSpPr>
+        <p:cNvPr id="1" name=""/>
+        <p:cNvGrpSpPr/>
+        <p:nvPr/>
+      </p:nvGrpSpPr>
+      <p:grpSpPr>
+        <a:xfrm>
+          <a:off x="0" y="0"/>
+          <a:ext cx="0" cy="0"/>
+          <a:chOff x="0" y="0"/>
+          <a:chExt cx="0" cy="0"/>
+        </a:xfrm>
+      </p:grpSpPr>
+      <p:pic>
+        <p:nvPicPr>
+          <p:cNvPr id="7170" name="Picture 2"/>
+          <p:cNvPicPr>
+            <a:picLocks noChangeAspect="1" noChangeArrowheads="1"/>
+          </p:cNvPicPr>
+          <p:nvPr/>
+        </p:nvPicPr>
+        <p:blipFill>
+          <a:blip r:embed="rId2">
+            <a:extLst>
+              <a:ext uri="{28A0092B-C50C-407E-A947-70E740481C1C}">
+                <a14:useLocalDpi xmlns:a14="http://schemas.microsoft.com/office/drawing/2010/main" val="0"/>
+              </a:ext>
+            </a:extLst>
+          </a:blip>
+          <a:srcRect/>
+          <a:stretch>
+            <a:fillRect/>
+          </a:stretch>
+        </p:blipFill>
+        <p:spPr bwMode="auto">
+          <a:xfrm>
+            <a:off x="0" y="0"/>
+            <a:ext cx="13011150" cy="7315200"/>
+          </a:xfrm>
+          <a:prstGeom prst="rect">
+            <a:avLst/>
+          </a:prstGeom>
+          <a:noFill/>
+          <a:ln>
+            <a:noFill/>
+          </a:ln>
+          <a:effectLst/>
+          <a:extLst>
+            <a:ext uri="{909E8E84-426E-40DD-AFC4-6F175D3DCCD1}">
+              <a14:hiddenFill xmlns:a14="http://schemas.microsoft.com/office/drawing/2010/main">
+                <a:solidFill>
+                  <a:schemeClr val="accent1"/>
+                </a:solidFill>
+              </a14:hiddenFill>
+            </a:ext>
+            <a:ext uri="{91240B29-F687-4F45-9708-019B960494DF}">
+              <a14:hiddenLine xmlns:a14="http://schemas.microsoft.com/office/drawing/2010/main" w="9525">
+                <a:solidFill>
+                  <a:schemeClr val="tx1"/>
+                </a:solidFill>
+                <a:miter lim="800000"/>
+                <a:headEnd/>
+                <a:tailEnd/>
+              </a14:hiddenLine>
+            </a:ext>
+            <a:ext uri="{AF507438-7753-43E0-B8FC-AC1667EBCBE1}">
+              <a14:hiddenEffects xmlns:a14="http://schemas.microsoft.com/office/drawing/2010/main">
+                <a:effectLst>
+                  <a:outerShdw dist="35921" dir="2700000" algn="ctr" rotWithShape="0">
+                    <a:schemeClr val="bg2"/>
+                  </a:outerShdw>
+                </a:effectLst>
+              </a14:hiddenEffects>
+            </a:ext>
+          </a:extLst>
+        </p:spPr>
+      </p:pic>
+    </p:spTree>
+    <p:extLst>
+      <p:ext uri="{BB962C8B-B14F-4D97-AF65-F5344CB8AC3E}">
+        <p14:creationId xmlns:p14="http://schemas.microsoft.com/office/powerpoint/2010/main" val="1597223254"/>
+      </p:ext>
+    </p:extLst>
+  </p:cSld>
+  <p:clrMapOvr>
+    <a:masterClrMapping/>
+  </p:clrMapOvr>
+</p:sld>
+</file>
+
+<file path=ppt/slides/slide24.xml><?xml version="1.0" encoding="utf-8"?>
+<p:sld xmlns:a="http://schemas.openxmlformats.org/drawingml/2006/main" xmlns:r="http://schemas.openxmlformats.org/officeDocument/2006/relationships" xmlns:p="http://schemas.openxmlformats.org/presentationml/2006/main">
+  <p:cSld>
+    <p:spTree>
+      <p:nvGrpSpPr>
+        <p:cNvPr id="1" name=""/>
+        <p:cNvGrpSpPr/>
+        <p:nvPr/>
+      </p:nvGrpSpPr>
+      <p:grpSpPr>
+        <a:xfrm>
+          <a:off x="0" y="0"/>
+          <a:ext cx="0" cy="0"/>
+          <a:chOff x="0" y="0"/>
+          <a:chExt cx="0" cy="0"/>
+        </a:xfrm>
+      </p:grpSpPr>
+      <p:pic>
+        <p:nvPicPr>
+          <p:cNvPr id="8194" name="Picture 2"/>
+          <p:cNvPicPr>
+            <a:picLocks noChangeAspect="1" noChangeArrowheads="1"/>
+          </p:cNvPicPr>
+          <p:nvPr/>
+        </p:nvPicPr>
+        <p:blipFill>
+          <a:blip r:embed="rId2">
+            <a:extLst>
+              <a:ext uri="{28A0092B-C50C-407E-A947-70E740481C1C}">
+                <a14:useLocalDpi xmlns:a14="http://schemas.microsoft.com/office/drawing/2010/main" val="0"/>
+              </a:ext>
+            </a:extLst>
+          </a:blip>
+          <a:srcRect/>
+          <a:stretch>
+            <a:fillRect/>
+          </a:stretch>
+        </p:blipFill>
+        <p:spPr bwMode="auto">
+          <a:xfrm>
+            <a:off x="0" y="0"/>
+            <a:ext cx="13011150" cy="7315200"/>
+          </a:xfrm>
+          <a:prstGeom prst="rect">
+            <a:avLst/>
+          </a:prstGeom>
+          <a:noFill/>
+          <a:ln>
+            <a:noFill/>
+          </a:ln>
+          <a:effectLst/>
+          <a:extLst>
+            <a:ext uri="{909E8E84-426E-40DD-AFC4-6F175D3DCCD1}">
+              <a14:hiddenFill xmlns:a14="http://schemas.microsoft.com/office/drawing/2010/main">
+                <a:solidFill>
+                  <a:schemeClr val="accent1"/>
+                </a:solidFill>
+              </a14:hiddenFill>
+            </a:ext>
+            <a:ext uri="{91240B29-F687-4F45-9708-019B960494DF}">
+              <a14:hiddenLine xmlns:a14="http://schemas.microsoft.com/office/drawing/2010/main" w="9525">
+                <a:solidFill>
+                  <a:schemeClr val="tx1"/>
+                </a:solidFill>
+                <a:miter lim="800000"/>
+                <a:headEnd/>
+                <a:tailEnd/>
+              </a14:hiddenLine>
+            </a:ext>
+            <a:ext uri="{AF507438-7753-43E0-B8FC-AC1667EBCBE1}">
+              <a14:hiddenEffects xmlns:a14="http://schemas.microsoft.com/office/drawing/2010/main">
+                <a:effectLst>
+                  <a:outerShdw dist="35921" dir="2700000" algn="ctr" rotWithShape="0">
+                    <a:schemeClr val="bg2"/>
+                  </a:outerShdw>
+                </a:effectLst>
+              </a14:hiddenEffects>
+            </a:ext>
+          </a:extLst>
+        </p:spPr>
+      </p:pic>
+    </p:spTree>
+    <p:extLst>
+      <p:ext uri="{BB962C8B-B14F-4D97-AF65-F5344CB8AC3E}">
+        <p14:creationId xmlns:p14="http://schemas.microsoft.com/office/powerpoint/2010/main" val="1819423076"/>
       </p:ext>
     </p:extLst>
   </p:cSld>
